--- a/Doc/CENG 355 Hardware.pptx
+++ b/Doc/CENG 355 Hardware.pptx
@@ -310,7 +310,7 @@
           <a:p>
             <a:fld id="{AD76CFE9-AD87-4A44-B7F0-59A5310B4442}" type="datetimeFigureOut">
               <a:rPr lang="en-US" smtClean="0"/>
-              <a:t>4/14/2018</a:t>
+              <a:t>4/16/2018</a:t>
             </a:fld>
             <a:endParaRPr lang="en-US"/>
           </a:p>
@@ -746,7 +746,7 @@
           <a:p>
             <a:fld id="{AD76CFE9-AD87-4A44-B7F0-59A5310B4442}" type="datetimeFigureOut">
               <a:rPr lang="en-US" smtClean="0"/>
-              <a:t>4/14/2018</a:t>
+              <a:t>4/16/2018</a:t>
             </a:fld>
             <a:endParaRPr lang="en-US"/>
           </a:p>
@@ -994,7 +994,7 @@
           <a:p>
             <a:fld id="{AD76CFE9-AD87-4A44-B7F0-59A5310B4442}" type="datetimeFigureOut">
               <a:rPr lang="en-US" smtClean="0"/>
-              <a:t>4/14/2018</a:t>
+              <a:t>4/16/2018</a:t>
             </a:fld>
             <a:endParaRPr lang="en-US"/>
           </a:p>
@@ -1300,7 +1300,7 @@
           <a:p>
             <a:fld id="{AD76CFE9-AD87-4A44-B7F0-59A5310B4442}" type="datetimeFigureOut">
               <a:rPr lang="en-US" smtClean="0"/>
-              <a:t>4/14/2018</a:t>
+              <a:t>4/16/2018</a:t>
             </a:fld>
             <a:endParaRPr lang="en-US"/>
           </a:p>
@@ -1616,7 +1616,7 @@
           <a:p>
             <a:fld id="{AD76CFE9-AD87-4A44-B7F0-59A5310B4442}" type="datetimeFigureOut">
               <a:rPr lang="en-US" smtClean="0"/>
-              <a:t>4/14/2018</a:t>
+              <a:t>4/16/2018</a:t>
             </a:fld>
             <a:endParaRPr lang="en-US"/>
           </a:p>
@@ -1916,7 +1916,7 @@
           <a:p>
             <a:fld id="{AD76CFE9-AD87-4A44-B7F0-59A5310B4442}" type="datetimeFigureOut">
               <a:rPr lang="en-US" smtClean="0"/>
-              <a:t>4/14/2018</a:t>
+              <a:t>4/16/2018</a:t>
             </a:fld>
             <a:endParaRPr lang="en-US"/>
           </a:p>
@@ -2281,7 +2281,7 @@
           <a:p>
             <a:fld id="{AD76CFE9-AD87-4A44-B7F0-59A5310B4442}" type="datetimeFigureOut">
               <a:rPr lang="en-US" smtClean="0"/>
-              <a:t>4/14/2018</a:t>
+              <a:t>4/16/2018</a:t>
             </a:fld>
             <a:endParaRPr lang="en-US"/>
           </a:p>
@@ -2455,7 +2455,7 @@
           <a:p>
             <a:fld id="{AD76CFE9-AD87-4A44-B7F0-59A5310B4442}" type="datetimeFigureOut">
               <a:rPr lang="en-US" smtClean="0"/>
-              <a:t>4/14/2018</a:t>
+              <a:t>4/16/2018</a:t>
             </a:fld>
             <a:endParaRPr lang="en-US"/>
           </a:p>
@@ -2635,7 +2635,7 @@
           <a:p>
             <a:fld id="{AD76CFE9-AD87-4A44-B7F0-59A5310B4442}" type="datetimeFigureOut">
               <a:rPr lang="en-US" smtClean="0"/>
-              <a:t>4/14/2018</a:t>
+              <a:t>4/16/2018</a:t>
             </a:fld>
             <a:endParaRPr lang="en-US"/>
           </a:p>
@@ -2805,7 +2805,7 @@
           <a:p>
             <a:fld id="{AD76CFE9-AD87-4A44-B7F0-59A5310B4442}" type="datetimeFigureOut">
               <a:rPr lang="en-US" smtClean="0"/>
-              <a:t>4/14/2018</a:t>
+              <a:t>4/16/2018</a:t>
             </a:fld>
             <a:endParaRPr lang="en-US"/>
           </a:p>
@@ -3053,7 +3053,7 @@
           <a:p>
             <a:fld id="{AD76CFE9-AD87-4A44-B7F0-59A5310B4442}" type="datetimeFigureOut">
               <a:rPr lang="en-US" smtClean="0"/>
-              <a:t>4/14/2018</a:t>
+              <a:t>4/16/2018</a:t>
             </a:fld>
             <a:endParaRPr lang="en-US"/>
           </a:p>
@@ -3289,7 +3289,7 @@
           <a:p>
             <a:fld id="{AD76CFE9-AD87-4A44-B7F0-59A5310B4442}" type="datetimeFigureOut">
               <a:rPr lang="en-US" smtClean="0"/>
-              <a:t>4/14/2018</a:t>
+              <a:t>4/16/2018</a:t>
             </a:fld>
             <a:endParaRPr lang="en-US"/>
           </a:p>
@@ -3671,7 +3671,7 @@
           <a:p>
             <a:fld id="{AD76CFE9-AD87-4A44-B7F0-59A5310B4442}" type="datetimeFigureOut">
               <a:rPr lang="en-US" smtClean="0"/>
-              <a:t>4/14/2018</a:t>
+              <a:t>4/16/2018</a:t>
             </a:fld>
             <a:endParaRPr lang="en-US"/>
           </a:p>
@@ -3789,7 +3789,7 @@
           <a:p>
             <a:fld id="{AD76CFE9-AD87-4A44-B7F0-59A5310B4442}" type="datetimeFigureOut">
               <a:rPr lang="en-US" smtClean="0"/>
-              <a:t>4/14/2018</a:t>
+              <a:t>4/16/2018</a:t>
             </a:fld>
             <a:endParaRPr lang="en-US"/>
           </a:p>
@@ -3884,7 +3884,7 @@
           <a:p>
             <a:fld id="{AD76CFE9-AD87-4A44-B7F0-59A5310B4442}" type="datetimeFigureOut">
               <a:rPr lang="en-US" smtClean="0"/>
-              <a:t>4/14/2018</a:t>
+              <a:t>4/16/2018</a:t>
             </a:fld>
             <a:endParaRPr lang="en-US"/>
           </a:p>
@@ -4139,7 +4139,7 @@
           <a:p>
             <a:fld id="{AD76CFE9-AD87-4A44-B7F0-59A5310B4442}" type="datetimeFigureOut">
               <a:rPr lang="en-US" smtClean="0"/>
-              <a:t>4/14/2018</a:t>
+              <a:t>4/16/2018</a:t>
             </a:fld>
             <a:endParaRPr lang="en-US"/>
           </a:p>
@@ -4422,7 +4422,7 @@
           <a:p>
             <a:fld id="{AD76CFE9-AD87-4A44-B7F0-59A5310B4442}" type="datetimeFigureOut">
               <a:rPr lang="en-US" smtClean="0"/>
-              <a:t>4/14/2018</a:t>
+              <a:t>4/16/2018</a:t>
             </a:fld>
             <a:endParaRPr lang="en-US"/>
           </a:p>
@@ -4828,7 +4828,7 @@
           <a:p>
             <a:fld id="{AD76CFE9-AD87-4A44-B7F0-59A5310B4442}" type="datetimeFigureOut">
               <a:rPr lang="en-US" smtClean="0"/>
-              <a:t>4/14/2018</a:t>
+              <a:t>4/16/2018</a:t>
             </a:fld>
             <a:endParaRPr lang="en-US"/>
           </a:p>
@@ -5376,6 +5376,10 @@
             <a:br>
               <a:rPr lang="en-US" dirty="0"/>
             </a:br>
+            <a:r>
+              <a:rPr lang="en-US" dirty="0"/>
+              <a:t/>
+            </a:r>
             <a:br>
               <a:rPr lang="en-US" dirty="0"/>
             </a:br>
@@ -5768,7 +5772,7 @@
             <p:ph idx="1"/>
             <p:extLst>
               <p:ext uri="{D42A27DB-BD31-4B8C-83A1-F6EECF244321}">
-                <p14:modId xmlns:p14="http://schemas.microsoft.com/office/powerpoint/2010/main" val="415429065"/>
+                <p14:modId xmlns:p14="http://schemas.microsoft.com/office/powerpoint/2010/main" val="3814679480"/>
               </p:ext>
             </p:extLst>
           </p:nvPr>
@@ -5885,20 +5889,12 @@
                         <a:t> GB </a:t>
                       </a:r>
                       <a:r>
-                        <a:rPr lang="en-US" baseline="0" dirty="0" err="1"/>
-                        <a:t>mirco</a:t>
+                        <a:rPr lang="en-US" baseline="0" dirty="0" smtClean="0"/>
+                        <a:t>micro SD </a:t>
                       </a:r>
                       <a:r>
                         <a:rPr lang="en-US" baseline="0" dirty="0"/>
-                        <a:t> </a:t>
-                      </a:r>
-                      <a:r>
-                        <a:rPr lang="en-US" baseline="0" dirty="0" err="1"/>
-                        <a:t>sd</a:t>
-                      </a:r>
-                      <a:r>
-                        <a:rPr lang="en-US" baseline="0" dirty="0"/>
-                        <a:t> card </a:t>
+                        <a:t>card </a:t>
                       </a:r>
                       <a:endParaRPr lang="en-US" dirty="0"/>
                     </a:p>
@@ -5939,12 +5935,8 @@
                         <a:t> feedback servo </a:t>
                       </a:r>
                       <a:r>
-                        <a:rPr lang="en-US" baseline="0" dirty="0" err="1"/>
-                        <a:t>mirco</a:t>
-                      </a:r>
-                      <a:r>
-                        <a:rPr lang="en-US" baseline="0" dirty="0"/>
-                        <a:t> </a:t>
+                        <a:rPr lang="en-US" baseline="0" dirty="0" smtClean="0"/>
+                        <a:t>micro </a:t>
                       </a:r>
                       <a:endParaRPr lang="en-US" dirty="0"/>
                     </a:p>
@@ -6094,9 +6086,10 @@
                     <a:lstStyle/>
                     <a:p>
                       <a:r>
-                        <a:rPr lang="en-US" dirty="0"/>
-                        <a:t>CDN$ 58.60</a:t>
+                        <a:rPr lang="en-US" dirty="0" smtClean="0"/>
+                        <a:t>CDN$58.60</a:t>
                       </a:r>
+                      <a:endParaRPr lang="en-US" dirty="0"/>
                     </a:p>
                   </a:txBody>
                   <a:tcPr/>
@@ -6153,6 +6146,10 @@
                     <a:bodyPr/>
                     <a:lstStyle/>
                     <a:p>
+                      <a:r>
+                        <a:rPr lang="en-US" dirty="0" smtClean="0"/>
+                        <a:t>CDN $235.32</a:t>
+                      </a:r>
                       <a:endParaRPr lang="en-US" dirty="0"/>
                     </a:p>
                   </a:txBody>
